--- a/14_ReactServerApp01.pptx
+++ b/14_ReactServerApp01.pptx
@@ -3471,7 +3471,7 @@
                   <a:srgbClr val="FFFF00"/>
                 </a:solidFill>
               </a:rPr>
-              <a:t>14 React Integration</a:t>
+              <a:t>14 React Integration: Part 1</a:t>
             </a:r>
             <a:endParaRPr lang="zh-TW" altLang="en-US" sz="4800" b="1" dirty="0">
               <a:solidFill>
@@ -6136,12 +6136,12 @@
           <a:p>
             <a:pPr algn="l"/>
             <a:r>
-              <a:rPr lang="en-US" altLang="zh-TW" b="1" dirty="0">
+              <a:rPr lang="en-US" altLang="zh-TW" sz="4400" b="1" dirty="0">
                 <a:solidFill>
                   <a:srgbClr val="FFFF00"/>
                 </a:solidFill>
               </a:rPr>
-              <a:t>14 React Integration</a:t>
+              <a:t>14 React Integration: Part 1</a:t>
             </a:r>
             <a:endParaRPr lang="zh-TW" altLang="en-US" b="1" dirty="0">
               <a:solidFill>
